--- a/docs/CCBR2021.pptx
+++ b/docs/CCBR2021.pptx
@@ -254,7 +254,7 @@
           <a:p>
             <a:fld id="{98FE36C7-8007-4944-AF9F-F5609365E729}" type="datetimeFigureOut">
               <a:rPr kumimoji="1" lang="zh-CN" altLang="en-US" smtClean="0"/>
-              <a:t>2021/9/11</a:t>
+              <a:t>2023/7/11</a:t>
             </a:fld>
             <a:endParaRPr kumimoji="1" lang="zh-CN" altLang="en-US"/>
           </a:p>
@@ -431,7 +431,7 @@
           <a:p>
             <a:fld id="{A139EDE8-541A-47A9-BE9C-135A540EFD1D}" type="datetimeFigureOut">
               <a:rPr lang="zh-CN" altLang="en-US" smtClean="0"/>
-              <a:t>2021/9/11</a:t>
+              <a:t>2023/7/11</a:t>
             </a:fld>
             <a:endParaRPr lang="zh-CN" altLang="en-US"/>
           </a:p>
@@ -3622,7 +3622,7 @@
           <a:p>
             <a:fld id="{C764DE79-268F-4C1A-8933-263129D2AF90}" type="datetimeFigureOut">
               <a:rPr lang="en-US" dirty="0"/>
-              <a:t>9/11/2021</a:t>
+              <a:t>7/11/2023</a:t>
             </a:fld>
             <a:endParaRPr lang="en-US" dirty="0"/>
           </a:p>
@@ -4243,7 +4243,7 @@
           <a:p>
             <a:fld id="{C764DE79-268F-4C1A-8933-263129D2AF90}" type="datetimeFigureOut">
               <a:rPr lang="en-US" dirty="0"/>
-              <a:t>9/11/2021</a:t>
+              <a:t>7/11/2023</a:t>
             </a:fld>
             <a:endParaRPr lang="en-US" dirty="0"/>
           </a:p>
@@ -4653,7 +4653,7 @@
           <a:p>
             <a:fld id="{C764DE79-268F-4C1A-8933-263129D2AF90}" type="datetimeFigureOut">
               <a:rPr lang="en-US" dirty="0"/>
-              <a:t>9/11/2021</a:t>
+              <a:t>7/11/2023</a:t>
             </a:fld>
             <a:endParaRPr lang="en-US" dirty="0"/>
           </a:p>
